--- a/2025/Slides/Techbash 2025 - Light Slide.pptx
+++ b/2025/Slides/Techbash 2025 - Light Slide.pptx
@@ -584,7 +584,7 @@
           <a:p>
             <a:fld id="{846CE7D5-CF57-46EF-B807-FDD0502418D4}" type="datetimeFigureOut">
               <a:rPr lang="en-US" smtClean="0"/>
-              <a:t>12/20/2024</a:t>
+              <a:t>3/11/2025</a:t>
             </a:fld>
             <a:endParaRPr lang="en-US"/>
           </a:p>
@@ -754,7 +754,7 @@
           <a:p>
             <a:fld id="{846CE7D5-CF57-46EF-B807-FDD0502418D4}" type="datetimeFigureOut">
               <a:rPr lang="en-US" smtClean="0"/>
-              <a:t>12/20/2024</a:t>
+              <a:t>3/11/2025</a:t>
             </a:fld>
             <a:endParaRPr lang="en-US"/>
           </a:p>
@@ -934,7 +934,7 @@
           <a:p>
             <a:fld id="{846CE7D5-CF57-46EF-B807-FDD0502418D4}" type="datetimeFigureOut">
               <a:rPr lang="en-US" smtClean="0"/>
-              <a:t>12/20/2024</a:t>
+              <a:t>3/11/2025</a:t>
             </a:fld>
             <a:endParaRPr lang="en-US"/>
           </a:p>
@@ -1104,7 +1104,7 @@
           <a:p>
             <a:fld id="{846CE7D5-CF57-46EF-B807-FDD0502418D4}" type="datetimeFigureOut">
               <a:rPr lang="en-US" smtClean="0"/>
-              <a:t>12/20/2024</a:t>
+              <a:t>3/11/2025</a:t>
             </a:fld>
             <a:endParaRPr lang="en-US"/>
           </a:p>
@@ -1350,7 +1350,7 @@
           <a:p>
             <a:fld id="{846CE7D5-CF57-46EF-B807-FDD0502418D4}" type="datetimeFigureOut">
               <a:rPr lang="en-US" smtClean="0"/>
-              <a:t>12/20/2024</a:t>
+              <a:t>3/11/2025</a:t>
             </a:fld>
             <a:endParaRPr lang="en-US"/>
           </a:p>
@@ -1582,7 +1582,7 @@
           <a:p>
             <a:fld id="{846CE7D5-CF57-46EF-B807-FDD0502418D4}" type="datetimeFigureOut">
               <a:rPr lang="en-US" smtClean="0"/>
-              <a:t>12/20/2024</a:t>
+              <a:t>3/11/2025</a:t>
             </a:fld>
             <a:endParaRPr lang="en-US"/>
           </a:p>
@@ -1949,7 +1949,7 @@
           <a:p>
             <a:fld id="{846CE7D5-CF57-46EF-B807-FDD0502418D4}" type="datetimeFigureOut">
               <a:rPr lang="en-US" smtClean="0"/>
-              <a:t>12/20/2024</a:t>
+              <a:t>3/11/2025</a:t>
             </a:fld>
             <a:endParaRPr lang="en-US"/>
           </a:p>
@@ -2067,7 +2067,7 @@
           <a:p>
             <a:fld id="{846CE7D5-CF57-46EF-B807-FDD0502418D4}" type="datetimeFigureOut">
               <a:rPr lang="en-US" smtClean="0"/>
-              <a:t>12/20/2024</a:t>
+              <a:t>3/11/2025</a:t>
             </a:fld>
             <a:endParaRPr lang="en-US"/>
           </a:p>
@@ -2162,7 +2162,7 @@
           <a:p>
             <a:fld id="{846CE7D5-CF57-46EF-B807-FDD0502418D4}" type="datetimeFigureOut">
               <a:rPr lang="en-US" smtClean="0"/>
-              <a:t>12/20/2024</a:t>
+              <a:t>3/11/2025</a:t>
             </a:fld>
             <a:endParaRPr lang="en-US"/>
           </a:p>
@@ -2439,7 +2439,7 @@
           <a:p>
             <a:fld id="{846CE7D5-CF57-46EF-B807-FDD0502418D4}" type="datetimeFigureOut">
               <a:rPr lang="en-US" smtClean="0"/>
-              <a:t>12/20/2024</a:t>
+              <a:t>3/11/2025</a:t>
             </a:fld>
             <a:endParaRPr lang="en-US"/>
           </a:p>
@@ -2696,7 +2696,7 @@
           <a:p>
             <a:fld id="{846CE7D5-CF57-46EF-B807-FDD0502418D4}" type="datetimeFigureOut">
               <a:rPr lang="en-US" smtClean="0"/>
-              <a:t>12/20/2024</a:t>
+              <a:t>3/11/2025</a:t>
             </a:fld>
             <a:endParaRPr lang="en-US"/>
           </a:p>
@@ -2909,7 +2909,7 @@
           <a:p>
             <a:fld id="{846CE7D5-CF57-46EF-B807-FDD0502418D4}" type="datetimeFigureOut">
               <a:rPr lang="en-US" smtClean="0"/>
-              <a:t>12/20/2024</a:t>
+              <a:t>3/11/2025</a:t>
             </a:fld>
             <a:endParaRPr lang="en-US"/>
           </a:p>
@@ -3497,7 +3497,7 @@
               </a:rPr>
               <a:t>Great speakers with top content</a:t>
             </a:r>
-            <a:endParaRPr lang="en-US">
+            <a:endParaRPr lang="en-US" dirty="0">
               <a:cs typeface="Calibri" panose="020F0502020204030204"/>
             </a:endParaRPr>
           </a:p>
@@ -3536,7 +3536,7 @@
                 <a:ea typeface="Source Sans Pro"/>
                 <a:cs typeface="Arial"/>
               </a:rPr>
-              <a:t>         - 3-day conference plus lodging for ~$1000 </a:t>
+              <a:t>         - 3-day conference plus lodging for less than $1500 </a:t>
             </a:r>
           </a:p>
           <a:p>
